--- a/EE0005 Group 8.pptx
+++ b/EE0005 Group 8.pptx
@@ -3109,8 +3109,8 @@
         </p:nvSpPr>
         <p:spPr>
           <a:xfrm>
-            <a:off x="1143225" y="685800"/>
-            <a:ext cx="4572300" cy="3429000"/>
+            <a:off x="381000" y="685800"/>
+            <a:ext cx="6096000" cy="3429000"/>
           </a:xfrm>
           <a:custGeom>
             <a:avLst/>
@@ -28111,16 +28111,34 @@
               <a:buChar char="●"/>
             </a:pPr>
             <a:r>
+              <a:rPr lang="en" dirty="0">
+                <a:latin typeface="Calibri"/>
+                <a:ea typeface="Calibri"/>
+                <a:cs typeface="Calibri"/>
+                <a:sym typeface="Calibri"/>
+              </a:rPr>
+              <a:t>The </a:t>
+            </a:r>
+            <a:r>
               <a:rPr lang="en">
                 <a:latin typeface="Calibri"/>
                 <a:ea typeface="Calibri"/>
                 <a:cs typeface="Calibri"/>
                 <a:sym typeface="Calibri"/>
               </a:rPr>
-              <a:t>The project allow us to understand the </a:t>
+              <a:t>project allows </a:t>
             </a:r>
             <a:r>
-              <a:rPr lang="en" b="1">
+              <a:rPr lang="en" dirty="0">
+                <a:latin typeface="Calibri"/>
+                <a:ea typeface="Calibri"/>
+                <a:cs typeface="Calibri"/>
+                <a:sym typeface="Calibri"/>
+              </a:rPr>
+              <a:t>us to understand the </a:t>
+            </a:r>
+            <a:r>
+              <a:rPr lang="en" b="1" dirty="0">
                 <a:latin typeface="Calibri"/>
                 <a:ea typeface="Calibri"/>
                 <a:cs typeface="Calibri"/>
@@ -28129,7 +28147,7 @@
               <a:t>full pipeline</a:t>
             </a:r>
             <a:r>
-              <a:rPr lang="en">
+              <a:rPr lang="en" dirty="0">
                 <a:latin typeface="Calibri"/>
                 <a:ea typeface="Calibri"/>
                 <a:cs typeface="Calibri"/>
@@ -28137,7 +28155,7 @@
               </a:rPr>
               <a:t> of a data science, machine learning project from problem formulation to end product.</a:t>
             </a:r>
-            <a:endParaRPr>
+            <a:endParaRPr dirty="0">
               <a:latin typeface="Calibri"/>
               <a:ea typeface="Calibri"/>
               <a:cs typeface="Calibri"/>
@@ -28154,7 +28172,7 @@
               </a:spcAft>
               <a:buNone/>
             </a:pPr>
-            <a:endParaRPr>
+            <a:endParaRPr dirty="0">
               <a:latin typeface="Calibri"/>
               <a:ea typeface="Calibri"/>
               <a:cs typeface="Calibri"/>
@@ -28177,7 +28195,7 @@
               <a:buChar char="●"/>
             </a:pPr>
             <a:r>
-              <a:rPr lang="en">
+              <a:rPr lang="en" dirty="0">
                 <a:solidFill>
                   <a:schemeClr val="dk1"/>
                 </a:solidFill>
@@ -28189,7 +28207,7 @@
               <a:t>Discussion between </a:t>
             </a:r>
             <a:r>
-              <a:rPr lang="en" b="1">
+              <a:rPr lang="en" b="1" dirty="0">
                 <a:solidFill>
                   <a:schemeClr val="dk1"/>
                 </a:solidFill>
@@ -28201,7 +28219,7 @@
               <a:t>cleaning</a:t>
             </a:r>
             <a:r>
-              <a:rPr lang="en">
+              <a:rPr lang="en" dirty="0">
                 <a:solidFill>
                   <a:schemeClr val="dk1"/>
                 </a:solidFill>
@@ -28213,7 +28231,7 @@
               <a:t> data and </a:t>
             </a:r>
             <a:r>
-              <a:rPr lang="en" b="1">
+              <a:rPr lang="en" b="1" dirty="0">
                 <a:solidFill>
                   <a:schemeClr val="dk1"/>
                 </a:solidFill>
@@ -28225,7 +28243,7 @@
               <a:t>manipulate</a:t>
             </a:r>
             <a:r>
-              <a:rPr lang="en">
+              <a:rPr lang="en" dirty="0">
                 <a:solidFill>
                   <a:schemeClr val="dk1"/>
                 </a:solidFill>
@@ -28236,7 +28254,7 @@
               </a:rPr>
               <a:t> data </a:t>
             </a:r>
-            <a:endParaRPr>
+            <a:endParaRPr dirty="0">
               <a:solidFill>
                 <a:schemeClr val="dk1"/>
               </a:solidFill>
@@ -28262,7 +28280,7 @@
               <a:buChar char="○"/>
             </a:pPr>
             <a:r>
-              <a:rPr lang="en">
+              <a:rPr lang="en" dirty="0">
                 <a:solidFill>
                   <a:schemeClr val="dk1"/>
                 </a:solidFill>
@@ -28274,7 +28292,7 @@
               <a:t>When we clean data to optimize for </a:t>
             </a:r>
             <a:r>
-              <a:rPr lang="en" b="1">
+              <a:rPr lang="en" b="1" dirty="0">
                 <a:solidFill>
                   <a:schemeClr val="dk1"/>
                 </a:solidFill>
@@ -28286,7 +28304,7 @@
               <a:t>accuracy</a:t>
             </a:r>
             <a:r>
-              <a:rPr lang="en">
+              <a:rPr lang="en" dirty="0">
                 <a:solidFill>
                   <a:schemeClr val="dk1"/>
                 </a:solidFill>
@@ -28298,7 +28316,7 @@
               <a:t> of model, we might introduce our own</a:t>
             </a:r>
             <a:r>
-              <a:rPr lang="en" b="1">
+              <a:rPr lang="en" b="1" dirty="0">
                 <a:solidFill>
                   <a:schemeClr val="dk1"/>
                 </a:solidFill>
@@ -28309,7 +28327,7 @@
               </a:rPr>
               <a:t> bias</a:t>
             </a:r>
-            <a:endParaRPr b="1">
+            <a:endParaRPr b="1" dirty="0">
               <a:solidFill>
                 <a:schemeClr val="dk1"/>
               </a:solidFill>
@@ -28335,7 +28353,7 @@
               <a:buChar char="○"/>
             </a:pPr>
             <a:r>
-              <a:rPr lang="en">
+              <a:rPr lang="en" dirty="0">
                 <a:solidFill>
                   <a:schemeClr val="dk1"/>
                 </a:solidFill>
@@ -28347,7 +28365,7 @@
               <a:t>Data given is the </a:t>
             </a:r>
             <a:r>
-              <a:rPr lang="en" b="1">
+              <a:rPr lang="en" b="1" dirty="0">
                 <a:solidFill>
                   <a:schemeClr val="dk1"/>
                 </a:solidFill>
@@ -28359,7 +28377,7 @@
               <a:t>sample,</a:t>
             </a:r>
             <a:r>
-              <a:rPr lang="en">
+              <a:rPr lang="en" dirty="0">
                 <a:solidFill>
                   <a:schemeClr val="dk1"/>
                 </a:solidFill>
@@ -28370,7 +28388,7 @@
               </a:rPr>
               <a:t> and not the whole population. Outliers are inevitable</a:t>
             </a:r>
-            <a:endParaRPr b="1">
+            <a:endParaRPr b="1" dirty="0">
               <a:solidFill>
                 <a:schemeClr val="dk1"/>
               </a:solidFill>
@@ -28390,7 +28408,7 @@
               </a:spcAft>
               <a:buNone/>
             </a:pPr>
-            <a:endParaRPr>
+            <a:endParaRPr dirty="0">
               <a:solidFill>
                 <a:schemeClr val="dk1"/>
               </a:solidFill>
@@ -28416,7 +28434,7 @@
               <a:buChar char="●"/>
             </a:pPr>
             <a:r>
-              <a:rPr lang="en">
+              <a:rPr lang="en" dirty="0">
                 <a:solidFill>
                   <a:schemeClr val="dk1"/>
                 </a:solidFill>
@@ -28428,7 +28446,7 @@
               <a:t>The data are rudimentary, cannot fully predict disease. </a:t>
             </a:r>
             <a:r>
-              <a:rPr lang="en" b="1">
+              <a:rPr lang="en" b="1" dirty="0">
                 <a:solidFill>
                   <a:schemeClr val="dk1"/>
                 </a:solidFill>
@@ -28440,7 +28458,7 @@
               <a:t>Human expertise and more features</a:t>
             </a:r>
             <a:r>
-              <a:rPr lang="en">
+              <a:rPr lang="en" dirty="0">
                 <a:solidFill>
                   <a:schemeClr val="dk1"/>
                 </a:solidFill>
@@ -28451,7 +28469,7 @@
               </a:rPr>
               <a:t> are required.</a:t>
             </a:r>
-            <a:endParaRPr>
+            <a:endParaRPr dirty="0">
               <a:solidFill>
                 <a:schemeClr val="dk1"/>
               </a:solidFill>
@@ -28471,7 +28489,7 @@
               </a:spcAft>
               <a:buNone/>
             </a:pPr>
-            <a:endParaRPr>
+            <a:endParaRPr dirty="0">
               <a:solidFill>
                 <a:schemeClr val="dk1"/>
               </a:solidFill>
@@ -28497,7 +28515,7 @@
               <a:buChar char="●"/>
             </a:pPr>
             <a:r>
-              <a:rPr lang="en">
+              <a:rPr lang="en" dirty="0">
                 <a:solidFill>
                   <a:schemeClr val="dk1"/>
                 </a:solidFill>
@@ -28509,7 +28527,7 @@
               <a:t>Prediction is useful to </a:t>
             </a:r>
             <a:r>
-              <a:rPr lang="en" b="1">
+              <a:rPr lang="en" b="1" dirty="0">
                 <a:solidFill>
                   <a:schemeClr val="dk1"/>
                 </a:solidFill>
@@ -28521,7 +28539,7 @@
               <a:t>alert risky patients</a:t>
             </a:r>
             <a:r>
-              <a:rPr lang="en">
+              <a:rPr lang="en" dirty="0">
                 <a:solidFill>
                   <a:schemeClr val="dk1"/>
                 </a:solidFill>
@@ -28532,7 +28550,7 @@
               </a:rPr>
               <a:t> to seek further medical advice</a:t>
             </a:r>
-            <a:endParaRPr>
+            <a:endParaRPr dirty="0">
               <a:solidFill>
                 <a:schemeClr val="dk1"/>
               </a:solidFill>
